--- a/LapSlides/Week6_Activity Diagram.pptx
+++ b/LapSlides/Week6_Activity Diagram.pptx
@@ -6502,7 +6502,7 @@
         </p:blipFill>
         <p:spPr bwMode="auto">
           <a:xfrm>
-            <a:off x="3175037" y="1711114"/>
+            <a:off x="5112694" y="764056"/>
             <a:ext cx="5118592" cy="5550408"/>
           </a:xfrm>
           <a:prstGeom prst="rect">
